--- a/lesson4/class-multi-constructors.pptx
+++ b/lesson4/class-multi-constructors.pptx
@@ -3122,6 +3122,13 @@
   <p:clrMapOvr>
     <a:masterClrMapping/>
   </p:clrMapOvr>
+  <p:timing>
+    <p:tnLst>
+      <p:par>
+        <p:cTn id="1" dur="indefinite" restart="never" nodeType="tmRoot"/>
+      </p:par>
+    </p:tnLst>
+  </p:timing>
 </p:sld>
 </file>
 
@@ -3631,13 +3638,8 @@
             </a:pPr>
             <a:r>
               <a:rPr lang="en-US" altLang="zh-CN" dirty="0" smtClean="0"/>
-              <a:t>        </a:t>
-            </a:r>
-            <a:r>
-              <a:rPr lang="en-US" altLang="zh-CN" dirty="0" smtClean="0"/>
-              <a:t>} </a:t>
-            </a:r>
-            <a:endParaRPr lang="en-US" altLang="zh-CN" dirty="0" smtClean="0"/>
+              <a:t>        } </a:t>
+            </a:r>
           </a:p>
           <a:p>
             <a:pPr>
@@ -3645,11 +3647,7 @@
             </a:pPr>
             <a:r>
               <a:rPr lang="en-US" altLang="zh-CN" dirty="0" smtClean="0"/>
-              <a:t> </a:t>
-            </a:r>
-            <a:r>
-              <a:rPr lang="en-US" altLang="zh-CN" dirty="0" smtClean="0"/>
-              <a:t>       public </a:t>
+              <a:t>        public </a:t>
             </a:r>
             <a:r>
               <a:rPr lang="en-US" altLang="zh-CN" dirty="0" err="1" smtClean="0"/>
@@ -3680,11 +3678,7 @@
             </a:pPr>
             <a:r>
               <a:rPr lang="en-US" altLang="zh-CN" dirty="0" smtClean="0"/>
-              <a:t>        </a:t>
-            </a:r>
-            <a:r>
-              <a:rPr lang="en-US" altLang="zh-CN" dirty="0" smtClean="0"/>
-              <a:t>}</a:t>
+              <a:t>        }</a:t>
             </a:r>
           </a:p>
           <a:p>
@@ -3693,13 +3687,8 @@
             </a:pPr>
             <a:r>
               <a:rPr lang="en-US" altLang="zh-CN" dirty="0" smtClean="0"/>
-              <a:t> </a:t>
-            </a:r>
-            <a:r>
-              <a:rPr lang="en-US" altLang="zh-CN" dirty="0" smtClean="0"/>
-              <a:t>       …</a:t>
-            </a:r>
-            <a:endParaRPr lang="en-US" altLang="zh-CN" dirty="0" smtClean="0"/>
+              <a:t>        …</a:t>
+            </a:r>
           </a:p>
           <a:p>
             <a:pPr>
@@ -3924,11 +3913,7 @@
           <a:p>
             <a:r>
               <a:rPr lang="zh-CN" altLang="en-US" dirty="0" smtClean="0"/>
-              <a:t>代</a:t>
-            </a:r>
-            <a:r>
-              <a:rPr lang="zh-CN" altLang="en-US" dirty="0" smtClean="0"/>
-              <a:t>码示例</a:t>
+              <a:t>代码示例</a:t>
             </a:r>
             <a:endParaRPr lang="zh-CN" altLang="en-US" dirty="0"/>
           </a:p>
@@ -3973,6 +3958,13 @@
   <p:clrMapOvr>
     <a:masterClrMapping/>
   </p:clrMapOvr>
+  <p:timing>
+    <p:tnLst>
+      <p:par>
+        <p:cTn id="1" dur="indefinite" restart="never" nodeType="tmRoot"/>
+      </p:par>
+    </p:tnLst>
+  </p:timing>
 </p:sld>
 </file>
 
@@ -4026,7 +4018,12 @@
             <p:ph idx="1"/>
           </p:nvPr>
         </p:nvSpPr>
-        <p:spPr/>
+        <p:spPr>
+          <a:xfrm>
+            <a:off x="457200" y="1340768"/>
+            <a:ext cx="8229600" cy="4785395"/>
+          </a:xfrm>
+        </p:spPr>
         <p:txBody>
           <a:bodyPr>
             <a:normAutofit fontScale="77500" lnSpcReduction="20000"/>
@@ -4043,23 +4040,15 @@
             <a:pPr lvl="1"/>
             <a:r>
               <a:rPr lang="zh-CN" altLang="en-US" dirty="0" smtClean="0"/>
-              <a:t>属</a:t>
-            </a:r>
+              <a:t>属性：长，宽，颜色</a:t>
+            </a:r>
+            <a:endParaRPr lang="en-US" altLang="zh-CN" dirty="0" smtClean="0"/>
+          </a:p>
+          <a:p>
+            <a:pPr lvl="1"/>
             <a:r>
               <a:rPr lang="zh-CN" altLang="en-US" dirty="0" smtClean="0"/>
-              <a:t>性：长，宽，颜色</a:t>
-            </a:r>
-            <a:endParaRPr lang="en-US" altLang="zh-CN" dirty="0" smtClean="0"/>
-          </a:p>
-          <a:p>
-            <a:pPr lvl="1"/>
-            <a:r>
-              <a:rPr lang="zh-CN" altLang="en-US" dirty="0" smtClean="0"/>
-              <a:t>方</a:t>
-            </a:r>
-            <a:r>
-              <a:rPr lang="zh-CN" altLang="en-US" dirty="0" smtClean="0"/>
-              <a:t>法</a:t>
+              <a:t>方法</a:t>
             </a:r>
             <a:endParaRPr lang="en-US" altLang="zh-CN" dirty="0" smtClean="0"/>
           </a:p>
@@ -4107,78 +4096,38 @@
             <a:pPr lvl="1"/>
             <a:r>
               <a:rPr lang="zh-CN" altLang="en-US" dirty="0" smtClean="0"/>
-              <a:t>要求：</a:t>
+              <a:t>要求：有</a:t>
+            </a:r>
+            <a:r>
+              <a:rPr lang="en-US" altLang="zh-CN" dirty="0" smtClean="0"/>
+              <a:t>4</a:t>
             </a:r>
             <a:r>
               <a:rPr lang="zh-CN" altLang="en-US" dirty="0" smtClean="0"/>
-              <a:t>有</a:t>
-            </a:r>
-            <a:r>
-              <a:rPr lang="en-US" altLang="zh-CN" dirty="0" smtClean="0"/>
-              <a:t>4</a:t>
+              <a:t>个构造函数，即分别包含一个参数，二个参数，三个参数和</a:t>
+            </a:r>
+            <a:r>
+              <a:rPr lang="en-US" altLang="zh-CN" dirty="0" smtClean="0"/>
+              <a:t>0</a:t>
             </a:r>
             <a:r>
               <a:rPr lang="zh-CN" altLang="en-US" dirty="0" smtClean="0"/>
-              <a:t>个</a:t>
-            </a:r>
+              <a:t>个参数</a:t>
+            </a:r>
+            <a:endParaRPr lang="en-US" altLang="zh-CN" dirty="0" smtClean="0"/>
+          </a:p>
+          <a:p>
             <a:r>
               <a:rPr lang="zh-CN" altLang="en-US" dirty="0" smtClean="0"/>
-              <a:t>构造函数，</a:t>
-            </a:r>
+              <a:t>正方形</a:t>
+            </a:r>
+            <a:endParaRPr lang="en-US" altLang="zh-CN" dirty="0" smtClean="0"/>
+          </a:p>
+          <a:p>
+            <a:pPr lvl="1"/>
             <a:r>
               <a:rPr lang="zh-CN" altLang="en-US" dirty="0" smtClean="0"/>
-              <a:t>即分别包</a:t>
-            </a:r>
-            <a:r>
-              <a:rPr lang="zh-CN" altLang="en-US" dirty="0" smtClean="0"/>
-              <a:t>含一个参数，二个参数</a:t>
-            </a:r>
-            <a:r>
-              <a:rPr lang="zh-CN" altLang="en-US" dirty="0" smtClean="0"/>
-              <a:t>，三个参数和</a:t>
-            </a:r>
-            <a:r>
-              <a:rPr lang="en-US" altLang="zh-CN" dirty="0" smtClean="0"/>
-              <a:t>0</a:t>
-            </a:r>
-            <a:r>
-              <a:rPr lang="zh-CN" altLang="en-US" dirty="0" smtClean="0"/>
-              <a:t>个</a:t>
-            </a:r>
-            <a:r>
-              <a:rPr lang="zh-CN" altLang="en-US" dirty="0" smtClean="0"/>
-              <a:t>参</a:t>
-            </a:r>
-            <a:r>
-              <a:rPr lang="zh-CN" altLang="en-US" dirty="0" smtClean="0"/>
-              <a:t>数</a:t>
-            </a:r>
-            <a:endParaRPr lang="en-US" altLang="zh-CN" dirty="0" smtClean="0"/>
-          </a:p>
-          <a:p>
-            <a:r>
-              <a:rPr lang="zh-CN" altLang="en-US" dirty="0" smtClean="0"/>
-              <a:t>正方</a:t>
-            </a:r>
-            <a:r>
-              <a:rPr lang="zh-CN" altLang="en-US" dirty="0" smtClean="0"/>
-              <a:t>形</a:t>
-            </a:r>
-            <a:endParaRPr lang="en-US" altLang="zh-CN" dirty="0" smtClean="0"/>
-          </a:p>
-          <a:p>
-            <a:pPr lvl="1"/>
-            <a:r>
-              <a:rPr lang="zh-CN" altLang="en-US" dirty="0" smtClean="0"/>
-              <a:t>属性</a:t>
-            </a:r>
-            <a:r>
-              <a:rPr lang="zh-CN" altLang="en-US" dirty="0" smtClean="0"/>
-              <a:t>：边长，</a:t>
-            </a:r>
-            <a:r>
-              <a:rPr lang="zh-CN" altLang="en-US" dirty="0" smtClean="0"/>
-              <a:t>颜色</a:t>
+              <a:t>属性：边长，颜色</a:t>
             </a:r>
             <a:endParaRPr lang="en-US" altLang="zh-CN" dirty="0" smtClean="0"/>
           </a:p>
@@ -4206,15 +4155,7 @@
             </a:r>
             <a:r>
               <a:rPr lang="zh-CN" altLang="en-US" dirty="0" smtClean="0"/>
-              <a:t>打印相</a:t>
-            </a:r>
-            <a:r>
-              <a:rPr lang="zh-CN" altLang="en-US" dirty="0" smtClean="0"/>
-              <a:t>关边长，</a:t>
-            </a:r>
-            <a:r>
-              <a:rPr lang="zh-CN" altLang="en-US" dirty="0" smtClean="0"/>
-              <a:t>颜色，和面积</a:t>
+              <a:t>打印相关边长，颜色，和面积</a:t>
             </a:r>
             <a:endParaRPr lang="en-US" altLang="zh-CN" dirty="0" smtClean="0"/>
           </a:p>
@@ -4234,27 +4175,15 @@
             </a:r>
             <a:r>
               <a:rPr lang="zh-CN" altLang="en-US" dirty="0" smtClean="0"/>
-              <a:t>求正方</a:t>
-            </a:r>
+              <a:t>求正方形面积</a:t>
+            </a:r>
+            <a:endParaRPr lang="en-US" altLang="zh-CN" dirty="0" smtClean="0"/>
+          </a:p>
+          <a:p>
+            <a:pPr lvl="1"/>
             <a:r>
               <a:rPr lang="zh-CN" altLang="en-US" dirty="0" smtClean="0"/>
-              <a:t>形面</a:t>
-            </a:r>
-            <a:r>
-              <a:rPr lang="zh-CN" altLang="en-US" dirty="0" smtClean="0"/>
-              <a:t>积</a:t>
-            </a:r>
-            <a:endParaRPr lang="en-US" altLang="zh-CN" dirty="0" smtClean="0"/>
-          </a:p>
-          <a:p>
-            <a:pPr lvl="1"/>
-            <a:r>
-              <a:rPr lang="zh-CN" altLang="en-US" dirty="0" smtClean="0"/>
-              <a:t>要</a:t>
-            </a:r>
-            <a:r>
-              <a:rPr lang="zh-CN" altLang="en-US" dirty="0" smtClean="0"/>
-              <a:t>求：有</a:t>
+              <a:t>要求：有</a:t>
             </a:r>
             <a:r>
               <a:rPr lang="en-US" altLang="zh-CN" dirty="0" smtClean="0"/>
@@ -4285,6 +4214,13 @@
   <p:clrMapOvr>
     <a:masterClrMapping/>
   </p:clrMapOvr>
+  <p:timing>
+    <p:tnLst>
+      <p:par>
+        <p:cTn id="1" dur="indefinite" restart="never" nodeType="tmRoot"/>
+      </p:par>
+    </p:tnLst>
+  </p:timing>
 </p:sld>
 </file>
 
